--- a/Present/DSP w3.pptx
+++ b/Present/DSP w3.pptx
@@ -3969,7 +3969,7 @@
         </p:blipFill>
         <p:spPr>
           <a:xfrm>
-            <a:off x="3597275" y="2087880"/>
+            <a:off x="3597275" y="2377440"/>
             <a:ext cx="4997450" cy="3694430"/>
           </a:xfrm>
           <a:prstGeom prst="rect">
@@ -3985,11 +3985,27 @@
             <p:ph sz="half" idx="2"/>
           </p:nvPr>
         </p:nvSpPr>
-        <p:spPr/>
-        <p:txBody>
-          <a:bodyPr/>
-          <a:p>
-            <a:endParaRPr lang="en-US"/>
+        <p:spPr>
+          <a:xfrm>
+            <a:off x="4314190" y="1379220"/>
+            <a:ext cx="5181600" cy="4351338"/>
+          </a:xfrm>
+        </p:spPr>
+        <p:txBody>
+          <a:bodyPr/>
+          <a:p>
+            <a:r>
+              <a:rPr lang="en-US" sz="2000"/>
+              <a:t>y[n] - 0.6y[n-1] = x[n]</a:t>
+            </a:r>
+            <a:endParaRPr lang="en-US" sz="2000"/>
+          </a:p>
+          <a:p>
+            <a:r>
+              <a:rPr lang="en-US" sz="2000"/>
+              <a:t>H(z) = Y(z)/X(z) = 1 / (1 - 0.6z^-1)</a:t>
+            </a:r>
+            <a:endParaRPr lang="en-US" sz="2000"/>
           </a:p>
         </p:txBody>
       </p:sp>
@@ -4011,24 +4027,6 @@
         <p:nvPr/>
       </p:nvGrpSpPr>
       <p:grpSpPr/>
-      <p:sp>
-        <p:nvSpPr>
-          <p:cNvPr id="2" name="Title 1"/>
-          <p:cNvSpPr>
-            <a:spLocks noGrp="1"/>
-          </p:cNvSpPr>
-          <p:nvPr>
-            <p:ph type="title"/>
-          </p:nvPr>
-        </p:nvSpPr>
-        <p:spPr/>
-        <p:txBody>
-          <a:bodyPr/>
-          <a:p>
-            <a:endParaRPr lang="en-US"/>
-          </a:p>
-        </p:txBody>
-      </p:sp>
       <p:pic>
         <p:nvPicPr>
           <p:cNvPr id="7" name="Content Placeholder 6"/>
@@ -4073,7 +4071,7 @@
         </p:blipFill>
         <p:spPr>
           <a:xfrm>
-            <a:off x="838200" y="2085340"/>
+            <a:off x="584835" y="2101215"/>
             <a:ext cx="5181600" cy="3831590"/>
           </a:xfrm>
           <a:prstGeom prst="rect">
@@ -4081,6 +4079,416 @@
           </a:prstGeom>
         </p:spPr>
       </p:pic>
+      <p:sp>
+        <p:nvSpPr>
+          <p:cNvPr id="8" name="Content Placeholder 7"/>
+          <p:cNvSpPr/>
+          <p:nvPr/>
+        </p:nvSpPr>
+        <p:spPr>
+          <a:xfrm>
+            <a:off x="436245" y="922655"/>
+            <a:ext cx="5735955" cy="1866900"/>
+          </a:xfrm>
+          <a:prstGeom prst="rect">
+            <a:avLst/>
+          </a:prstGeom>
+        </p:spPr>
+        <p:txBody>
+          <a:bodyPr vert="horz" lIns="91440" tIns="45720" rIns="91440" bIns="45720" rtlCol="0">
+            <a:normAutofit/>
+          </a:bodyPr>
+          <a:lstStyle>
+            <a:lvl1pPr marL="228600" indent="-228600" algn="l" defTabSz="914400" rtl="0" eaLnBrk="1" latinLnBrk="0" hangingPunct="1">
+              <a:lnSpc>
+                <a:spcPct val="90000"/>
+              </a:lnSpc>
+              <a:spcBef>
+                <a:spcPts val="1000"/>
+              </a:spcBef>
+              <a:buFont typeface="Arial" panose="020B0604020202020204" pitchFamily="34" charset="0"/>
+              <a:buChar char="•"/>
+              <a:defRPr sz="2800" kern="1200">
+                <a:solidFill>
+                  <a:schemeClr val="tx1"/>
+                </a:solidFill>
+                <a:latin typeface="+mn-lt"/>
+                <a:ea typeface="+mn-ea"/>
+                <a:cs typeface="+mn-cs"/>
+              </a:defRPr>
+            </a:lvl1pPr>
+            <a:lvl2pPr marL="685800" indent="-228600" algn="l" defTabSz="914400" rtl="0" eaLnBrk="1" latinLnBrk="0" hangingPunct="1">
+              <a:lnSpc>
+                <a:spcPct val="90000"/>
+              </a:lnSpc>
+              <a:spcBef>
+                <a:spcPts val="500"/>
+              </a:spcBef>
+              <a:buFont typeface="Arial" panose="020B0604020202020204" pitchFamily="34" charset="0"/>
+              <a:buChar char="•"/>
+              <a:defRPr sz="2400" kern="1200">
+                <a:solidFill>
+                  <a:schemeClr val="tx1"/>
+                </a:solidFill>
+                <a:latin typeface="+mn-lt"/>
+                <a:ea typeface="+mn-ea"/>
+                <a:cs typeface="+mn-cs"/>
+              </a:defRPr>
+            </a:lvl2pPr>
+            <a:lvl3pPr marL="1143000" indent="-228600" algn="l" defTabSz="914400" rtl="0" eaLnBrk="1" latinLnBrk="0" hangingPunct="1">
+              <a:lnSpc>
+                <a:spcPct val="90000"/>
+              </a:lnSpc>
+              <a:spcBef>
+                <a:spcPts val="500"/>
+              </a:spcBef>
+              <a:buFont typeface="Arial" panose="020B0604020202020204" pitchFamily="34" charset="0"/>
+              <a:buChar char="•"/>
+              <a:defRPr sz="2000" kern="1200">
+                <a:solidFill>
+                  <a:schemeClr val="tx1"/>
+                </a:solidFill>
+                <a:latin typeface="+mn-lt"/>
+                <a:ea typeface="+mn-ea"/>
+                <a:cs typeface="+mn-cs"/>
+              </a:defRPr>
+            </a:lvl3pPr>
+            <a:lvl4pPr marL="1600200" indent="-228600" algn="l" defTabSz="914400" rtl="0" eaLnBrk="1" latinLnBrk="0" hangingPunct="1">
+              <a:lnSpc>
+                <a:spcPct val="90000"/>
+              </a:lnSpc>
+              <a:spcBef>
+                <a:spcPts val="500"/>
+              </a:spcBef>
+              <a:buFont typeface="Arial" panose="020B0604020202020204" pitchFamily="34" charset="0"/>
+              <a:buChar char="•"/>
+              <a:defRPr sz="1800" kern="1200">
+                <a:solidFill>
+                  <a:schemeClr val="tx1"/>
+                </a:solidFill>
+                <a:latin typeface="+mn-lt"/>
+                <a:ea typeface="+mn-ea"/>
+                <a:cs typeface="+mn-cs"/>
+              </a:defRPr>
+            </a:lvl4pPr>
+            <a:lvl5pPr marL="2057400" indent="-228600" algn="l" defTabSz="914400" rtl="0" eaLnBrk="1" latinLnBrk="0" hangingPunct="1">
+              <a:lnSpc>
+                <a:spcPct val="90000"/>
+              </a:lnSpc>
+              <a:spcBef>
+                <a:spcPts val="500"/>
+              </a:spcBef>
+              <a:buFont typeface="Arial" panose="020B0604020202020204" pitchFamily="34" charset="0"/>
+              <a:buChar char="•"/>
+              <a:defRPr sz="1800" kern="1200">
+                <a:solidFill>
+                  <a:schemeClr val="tx1"/>
+                </a:solidFill>
+                <a:latin typeface="+mn-lt"/>
+                <a:ea typeface="+mn-ea"/>
+                <a:cs typeface="+mn-cs"/>
+              </a:defRPr>
+            </a:lvl5pPr>
+            <a:lvl6pPr marL="2514600" indent="-228600" algn="l" defTabSz="914400" rtl="0" eaLnBrk="1" latinLnBrk="0" hangingPunct="1">
+              <a:lnSpc>
+                <a:spcPct val="90000"/>
+              </a:lnSpc>
+              <a:spcBef>
+                <a:spcPts val="500"/>
+              </a:spcBef>
+              <a:buFont typeface="Arial" panose="020B0604020202020204" pitchFamily="34" charset="0"/>
+              <a:buChar char="•"/>
+              <a:defRPr sz="1800" kern="1200">
+                <a:solidFill>
+                  <a:schemeClr val="tx1"/>
+                </a:solidFill>
+                <a:latin typeface="+mn-lt"/>
+                <a:ea typeface="+mn-ea"/>
+                <a:cs typeface="+mn-cs"/>
+              </a:defRPr>
+            </a:lvl6pPr>
+            <a:lvl7pPr marL="2971800" indent="-228600" algn="l" defTabSz="914400" rtl="0" eaLnBrk="1" latinLnBrk="0" hangingPunct="1">
+              <a:lnSpc>
+                <a:spcPct val="90000"/>
+              </a:lnSpc>
+              <a:spcBef>
+                <a:spcPts val="500"/>
+              </a:spcBef>
+              <a:buFont typeface="Arial" panose="020B0604020202020204" pitchFamily="34" charset="0"/>
+              <a:buChar char="•"/>
+              <a:defRPr sz="1800" kern="1200">
+                <a:solidFill>
+                  <a:schemeClr val="tx1"/>
+                </a:solidFill>
+                <a:latin typeface="+mn-lt"/>
+                <a:ea typeface="+mn-ea"/>
+                <a:cs typeface="+mn-cs"/>
+              </a:defRPr>
+            </a:lvl7pPr>
+            <a:lvl8pPr marL="3429000" indent="-228600" algn="l" defTabSz="914400" rtl="0" eaLnBrk="1" latinLnBrk="0" hangingPunct="1">
+              <a:lnSpc>
+                <a:spcPct val="90000"/>
+              </a:lnSpc>
+              <a:spcBef>
+                <a:spcPts val="500"/>
+              </a:spcBef>
+              <a:buFont typeface="Arial" panose="020B0604020202020204" pitchFamily="34" charset="0"/>
+              <a:buChar char="•"/>
+              <a:defRPr sz="1800" kern="1200">
+                <a:solidFill>
+                  <a:schemeClr val="tx1"/>
+                </a:solidFill>
+                <a:latin typeface="+mn-lt"/>
+                <a:ea typeface="+mn-ea"/>
+                <a:cs typeface="+mn-cs"/>
+              </a:defRPr>
+            </a:lvl8pPr>
+            <a:lvl9pPr marL="3886200" indent="-228600" algn="l" defTabSz="914400" rtl="0" eaLnBrk="1" latinLnBrk="0" hangingPunct="1">
+              <a:lnSpc>
+                <a:spcPct val="90000"/>
+              </a:lnSpc>
+              <a:spcBef>
+                <a:spcPts val="500"/>
+              </a:spcBef>
+              <a:buFont typeface="Arial" panose="020B0604020202020204" pitchFamily="34" charset="0"/>
+              <a:buChar char="•"/>
+              <a:defRPr sz="1800" kern="1200">
+                <a:solidFill>
+                  <a:schemeClr val="tx1"/>
+                </a:solidFill>
+                <a:latin typeface="+mn-lt"/>
+                <a:ea typeface="+mn-ea"/>
+                <a:cs typeface="+mn-cs"/>
+              </a:defRPr>
+            </a:lvl9pPr>
+          </a:lstStyle>
+          <a:p>
+            <a:r>
+              <a:rPr lang="en-US" sz="2000">
+                <a:sym typeface="+mn-ea"/>
+              </a:rPr>
+              <a:t>y[n] - 1/6 * y[n-1] - 1/6 * y[n-2] = 4x[n]</a:t>
+            </a:r>
+            <a:endParaRPr lang="en-US" sz="2000"/>
+          </a:p>
+          <a:p>
+            <a:r>
+              <a:rPr lang="en-US" sz="2000">
+                <a:sym typeface="+mn-ea"/>
+              </a:rPr>
+              <a:t>H(z) = Y(z) / X(z) = 4 / (1 - 1/6 z^-1 - 1/6 z^-2)</a:t>
+            </a:r>
+            <a:endParaRPr lang="en-US" sz="2000"/>
+          </a:p>
+        </p:txBody>
+      </p:sp>
+      <p:sp>
+        <p:nvSpPr>
+          <p:cNvPr id="3" name="Content Placeholder 7"/>
+          <p:cNvSpPr/>
+          <p:nvPr/>
+        </p:nvSpPr>
+        <p:spPr>
+          <a:xfrm>
+            <a:off x="6172200" y="922655"/>
+            <a:ext cx="5735955" cy="1866900"/>
+          </a:xfrm>
+          <a:prstGeom prst="rect">
+            <a:avLst/>
+          </a:prstGeom>
+        </p:spPr>
+        <p:txBody>
+          <a:bodyPr vert="horz" lIns="91440" tIns="45720" rIns="91440" bIns="45720" rtlCol="0">
+            <a:normAutofit/>
+          </a:bodyPr>
+          <a:lstStyle>
+            <a:lvl1pPr marL="228600" indent="-228600" algn="l" defTabSz="914400" rtl="0" eaLnBrk="1" latinLnBrk="0" hangingPunct="1">
+              <a:lnSpc>
+                <a:spcPct val="90000"/>
+              </a:lnSpc>
+              <a:spcBef>
+                <a:spcPts val="1000"/>
+              </a:spcBef>
+              <a:buFont typeface="Arial" panose="020B0604020202020204" pitchFamily="34" charset="0"/>
+              <a:buChar char="•"/>
+              <a:defRPr sz="2800" kern="1200">
+                <a:solidFill>
+                  <a:schemeClr val="tx1"/>
+                </a:solidFill>
+                <a:latin typeface="+mn-lt"/>
+                <a:ea typeface="+mn-ea"/>
+                <a:cs typeface="+mn-cs"/>
+              </a:defRPr>
+            </a:lvl1pPr>
+            <a:lvl2pPr marL="685800" indent="-228600" algn="l" defTabSz="914400" rtl="0" eaLnBrk="1" latinLnBrk="0" hangingPunct="1">
+              <a:lnSpc>
+                <a:spcPct val="90000"/>
+              </a:lnSpc>
+              <a:spcBef>
+                <a:spcPts val="500"/>
+              </a:spcBef>
+              <a:buFont typeface="Arial" panose="020B0604020202020204" pitchFamily="34" charset="0"/>
+              <a:buChar char="•"/>
+              <a:defRPr sz="2400" kern="1200">
+                <a:solidFill>
+                  <a:schemeClr val="tx1"/>
+                </a:solidFill>
+                <a:latin typeface="+mn-lt"/>
+                <a:ea typeface="+mn-ea"/>
+                <a:cs typeface="+mn-cs"/>
+              </a:defRPr>
+            </a:lvl2pPr>
+            <a:lvl3pPr marL="1143000" indent="-228600" algn="l" defTabSz="914400" rtl="0" eaLnBrk="1" latinLnBrk="0" hangingPunct="1">
+              <a:lnSpc>
+                <a:spcPct val="90000"/>
+              </a:lnSpc>
+              <a:spcBef>
+                <a:spcPts val="500"/>
+              </a:spcBef>
+              <a:buFont typeface="Arial" panose="020B0604020202020204" pitchFamily="34" charset="0"/>
+              <a:buChar char="•"/>
+              <a:defRPr sz="2000" kern="1200">
+                <a:solidFill>
+                  <a:schemeClr val="tx1"/>
+                </a:solidFill>
+                <a:latin typeface="+mn-lt"/>
+                <a:ea typeface="+mn-ea"/>
+                <a:cs typeface="+mn-cs"/>
+              </a:defRPr>
+            </a:lvl3pPr>
+            <a:lvl4pPr marL="1600200" indent="-228600" algn="l" defTabSz="914400" rtl="0" eaLnBrk="1" latinLnBrk="0" hangingPunct="1">
+              <a:lnSpc>
+                <a:spcPct val="90000"/>
+              </a:lnSpc>
+              <a:spcBef>
+                <a:spcPts val="500"/>
+              </a:spcBef>
+              <a:buFont typeface="Arial" panose="020B0604020202020204" pitchFamily="34" charset="0"/>
+              <a:buChar char="•"/>
+              <a:defRPr sz="1800" kern="1200">
+                <a:solidFill>
+                  <a:schemeClr val="tx1"/>
+                </a:solidFill>
+                <a:latin typeface="+mn-lt"/>
+                <a:ea typeface="+mn-ea"/>
+                <a:cs typeface="+mn-cs"/>
+              </a:defRPr>
+            </a:lvl4pPr>
+            <a:lvl5pPr marL="2057400" indent="-228600" algn="l" defTabSz="914400" rtl="0" eaLnBrk="1" latinLnBrk="0" hangingPunct="1">
+              <a:lnSpc>
+                <a:spcPct val="90000"/>
+              </a:lnSpc>
+              <a:spcBef>
+                <a:spcPts val="500"/>
+              </a:spcBef>
+              <a:buFont typeface="Arial" panose="020B0604020202020204" pitchFamily="34" charset="0"/>
+              <a:buChar char="•"/>
+              <a:defRPr sz="1800" kern="1200">
+                <a:solidFill>
+                  <a:schemeClr val="tx1"/>
+                </a:solidFill>
+                <a:latin typeface="+mn-lt"/>
+                <a:ea typeface="+mn-ea"/>
+                <a:cs typeface="+mn-cs"/>
+              </a:defRPr>
+            </a:lvl5pPr>
+            <a:lvl6pPr marL="2514600" indent="-228600" algn="l" defTabSz="914400" rtl="0" eaLnBrk="1" latinLnBrk="0" hangingPunct="1">
+              <a:lnSpc>
+                <a:spcPct val="90000"/>
+              </a:lnSpc>
+              <a:spcBef>
+                <a:spcPts val="500"/>
+              </a:spcBef>
+              <a:buFont typeface="Arial" panose="020B0604020202020204" pitchFamily="34" charset="0"/>
+              <a:buChar char="•"/>
+              <a:defRPr sz="1800" kern="1200">
+                <a:solidFill>
+                  <a:schemeClr val="tx1"/>
+                </a:solidFill>
+                <a:latin typeface="+mn-lt"/>
+                <a:ea typeface="+mn-ea"/>
+                <a:cs typeface="+mn-cs"/>
+              </a:defRPr>
+            </a:lvl6pPr>
+            <a:lvl7pPr marL="2971800" indent="-228600" algn="l" defTabSz="914400" rtl="0" eaLnBrk="1" latinLnBrk="0" hangingPunct="1">
+              <a:lnSpc>
+                <a:spcPct val="90000"/>
+              </a:lnSpc>
+              <a:spcBef>
+                <a:spcPts val="500"/>
+              </a:spcBef>
+              <a:buFont typeface="Arial" panose="020B0604020202020204" pitchFamily="34" charset="0"/>
+              <a:buChar char="•"/>
+              <a:defRPr sz="1800" kern="1200">
+                <a:solidFill>
+                  <a:schemeClr val="tx1"/>
+                </a:solidFill>
+                <a:latin typeface="+mn-lt"/>
+                <a:ea typeface="+mn-ea"/>
+                <a:cs typeface="+mn-cs"/>
+              </a:defRPr>
+            </a:lvl7pPr>
+            <a:lvl8pPr marL="3429000" indent="-228600" algn="l" defTabSz="914400" rtl="0" eaLnBrk="1" latinLnBrk="0" hangingPunct="1">
+              <a:lnSpc>
+                <a:spcPct val="90000"/>
+              </a:lnSpc>
+              <a:spcBef>
+                <a:spcPts val="500"/>
+              </a:spcBef>
+              <a:buFont typeface="Arial" panose="020B0604020202020204" pitchFamily="34" charset="0"/>
+              <a:buChar char="•"/>
+              <a:defRPr sz="1800" kern="1200">
+                <a:solidFill>
+                  <a:schemeClr val="tx1"/>
+                </a:solidFill>
+                <a:latin typeface="+mn-lt"/>
+                <a:ea typeface="+mn-ea"/>
+                <a:cs typeface="+mn-cs"/>
+              </a:defRPr>
+            </a:lvl8pPr>
+            <a:lvl9pPr marL="3886200" indent="-228600" algn="l" defTabSz="914400" rtl="0" eaLnBrk="1" latinLnBrk="0" hangingPunct="1">
+              <a:lnSpc>
+                <a:spcPct val="90000"/>
+              </a:lnSpc>
+              <a:spcBef>
+                <a:spcPts val="500"/>
+              </a:spcBef>
+              <a:buFont typeface="Arial" panose="020B0604020202020204" pitchFamily="34" charset="0"/>
+              <a:buChar char="•"/>
+              <a:defRPr sz="1800" kern="1200">
+                <a:solidFill>
+                  <a:schemeClr val="tx1"/>
+                </a:solidFill>
+                <a:latin typeface="+mn-lt"/>
+                <a:ea typeface="+mn-ea"/>
+                <a:cs typeface="+mn-cs"/>
+              </a:defRPr>
+            </a:lvl9pPr>
+          </a:lstStyle>
+          <a:p>
+            <a:r>
+              <a:rPr lang="en-US" sz="2000">
+                <a:sym typeface="+mn-ea"/>
+              </a:rPr>
+              <a:t>y[n] - y[n-1] - 2y[n-2] = 2x[n] - x[n-1]  </a:t>
+            </a:r>
+            <a:endParaRPr lang="en-US" sz="2000">
+              <a:sym typeface="+mn-ea"/>
+            </a:endParaRPr>
+          </a:p>
+          <a:p>
+            <a:r>
+              <a:rPr lang="en-US" sz="2000">
+                <a:sym typeface="+mn-ea"/>
+              </a:rPr>
+              <a:t>H(z) = Y(z) / X(z)=  (2z - 1) / (z^2 - z - 2)</a:t>
+            </a:r>
+            <a:endParaRPr lang="en-US" sz="2000">
+              <a:sym typeface="+mn-ea"/>
+            </a:endParaRPr>
+          </a:p>
+        </p:txBody>
+      </p:sp>
     </p:spTree>
   </p:cSld>
   <p:clrMapOvr>
